--- a/D1PPT.pptx
+++ b/D1PPT.pptx
@@ -869,7 +869,7 @@
               <a:pPr>
                 <a:defRPr/>
               </a:pPr>
-              <a:t>7/19/2024</a:t>
+              <a:t>7/24/2024</a:t>
             </a:fld>
             <a:endParaRPr lang="en-US" altLang="en-US"/>
           </a:p>
@@ -1071,7 +1071,7 @@
               <a:pPr>
                 <a:defRPr/>
               </a:pPr>
-              <a:t>7/19/2024</a:t>
+              <a:t>7/24/2024</a:t>
             </a:fld>
             <a:endParaRPr lang="en-US" altLang="en-US"/>
           </a:p>
@@ -1283,7 +1283,7 @@
               <a:pPr>
                 <a:defRPr/>
               </a:pPr>
-              <a:t>7/19/2024</a:t>
+              <a:t>7/24/2024</a:t>
             </a:fld>
             <a:endParaRPr lang="en-US" altLang="en-US"/>
           </a:p>
@@ -1503,7 +1503,7 @@
               <a:pPr>
                 <a:defRPr/>
               </a:pPr>
-              <a:t>7/19/2024</a:t>
+              <a:t>7/24/2024</a:t>
             </a:fld>
             <a:endParaRPr lang="en-US" altLang="en-US"/>
           </a:p>
@@ -1705,7 +1705,7 @@
               <a:pPr>
                 <a:defRPr/>
               </a:pPr>
-              <a:t>7/19/2024</a:t>
+              <a:t>7/24/2024</a:t>
             </a:fld>
             <a:endParaRPr lang="en-US" altLang="en-US"/>
           </a:p>
@@ -1930,7 +1930,7 @@
               <a:pPr>
                 <a:defRPr/>
               </a:pPr>
-              <a:t>7/19/2024</a:t>
+              <a:t>7/24/2024</a:t>
             </a:fld>
             <a:endParaRPr lang="en-US" altLang="en-US"/>
           </a:p>
@@ -2249,7 +2249,7 @@
               <a:pPr>
                 <a:defRPr/>
               </a:pPr>
-              <a:t>7/19/2024</a:t>
+              <a:t>7/24/2024</a:t>
             </a:fld>
             <a:endParaRPr lang="en-US" altLang="en-US"/>
           </a:p>
@@ -2707,7 +2707,7 @@
               <a:pPr>
                 <a:defRPr/>
               </a:pPr>
-              <a:t>7/19/2024</a:t>
+              <a:t>7/24/2024</a:t>
             </a:fld>
             <a:endParaRPr lang="en-US" altLang="en-US"/>
           </a:p>
@@ -2858,7 +2858,7 @@
               <a:pPr>
                 <a:defRPr/>
               </a:pPr>
-              <a:t>7/19/2024</a:t>
+              <a:t>7/24/2024</a:t>
             </a:fld>
             <a:endParaRPr lang="en-US" altLang="en-US"/>
           </a:p>
@@ -2987,7 +2987,7 @@
               <a:pPr>
                 <a:defRPr/>
               </a:pPr>
-              <a:t>7/19/2024</a:t>
+              <a:t>7/24/2024</a:t>
             </a:fld>
             <a:endParaRPr lang="en-US" altLang="en-US"/>
           </a:p>
@@ -3296,7 +3296,7 @@
               <a:pPr>
                 <a:defRPr/>
               </a:pPr>
-              <a:t>7/19/2024</a:t>
+              <a:t>7/24/2024</a:t>
             </a:fld>
             <a:endParaRPr lang="en-US" altLang="en-US"/>
           </a:p>
@@ -3498,7 +3498,7 @@
               <a:pPr>
                 <a:defRPr/>
               </a:pPr>
-              <a:t>7/19/2024</a:t>
+              <a:t>7/24/2024</a:t>
             </a:fld>
             <a:endParaRPr lang="en-US" altLang="en-US"/>
           </a:p>
@@ -3785,7 +3785,7 @@
               <a:pPr>
                 <a:defRPr/>
               </a:pPr>
-              <a:t>7/19/2024</a:t>
+              <a:t>7/24/2024</a:t>
             </a:fld>
             <a:endParaRPr lang="en-US" altLang="en-US"/>
           </a:p>
@@ -3987,7 +3987,7 @@
               <a:pPr>
                 <a:defRPr/>
               </a:pPr>
-              <a:t>7/19/2024</a:t>
+              <a:t>7/24/2024</a:t>
             </a:fld>
             <a:endParaRPr lang="en-US" altLang="en-US"/>
           </a:p>
@@ -4199,7 +4199,7 @@
               <a:pPr>
                 <a:defRPr/>
               </a:pPr>
-              <a:t>7/19/2024</a:t>
+              <a:t>7/24/2024</a:t>
             </a:fld>
             <a:endParaRPr lang="en-US" altLang="en-US"/>
           </a:p>
@@ -4467,7 +4467,7 @@
               <a:pPr>
                 <a:defRPr/>
               </a:pPr>
-              <a:t>7/19/2024</a:t>
+              <a:t>7/24/2024</a:t>
             </a:fld>
             <a:endParaRPr lang="en-US" altLang="en-US"/>
           </a:p>
@@ -4692,7 +4692,7 @@
               <a:pPr>
                 <a:defRPr/>
               </a:pPr>
-              <a:t>7/19/2024</a:t>
+              <a:t>7/24/2024</a:t>
             </a:fld>
             <a:endParaRPr lang="en-US" altLang="en-US"/>
           </a:p>
@@ -5011,7 +5011,7 @@
               <a:pPr>
                 <a:defRPr/>
               </a:pPr>
-              <a:t>7/19/2024</a:t>
+              <a:t>7/24/2024</a:t>
             </a:fld>
             <a:endParaRPr lang="en-US" altLang="en-US"/>
           </a:p>
@@ -5469,7 +5469,7 @@
               <a:pPr>
                 <a:defRPr/>
               </a:pPr>
-              <a:t>7/19/2024</a:t>
+              <a:t>7/24/2024</a:t>
             </a:fld>
             <a:endParaRPr lang="en-US" altLang="en-US"/>
           </a:p>
@@ -5620,7 +5620,7 @@
               <a:pPr>
                 <a:defRPr/>
               </a:pPr>
-              <a:t>7/19/2024</a:t>
+              <a:t>7/24/2024</a:t>
             </a:fld>
             <a:endParaRPr lang="en-US" altLang="en-US"/>
           </a:p>
@@ -5749,7 +5749,7 @@
               <a:pPr>
                 <a:defRPr/>
               </a:pPr>
-              <a:t>7/19/2024</a:t>
+              <a:t>7/24/2024</a:t>
             </a:fld>
             <a:endParaRPr lang="en-US" altLang="en-US"/>
           </a:p>
@@ -6058,7 +6058,7 @@
               <a:pPr>
                 <a:defRPr/>
               </a:pPr>
-              <a:t>7/19/2024</a:t>
+              <a:t>7/24/2024</a:t>
             </a:fld>
             <a:endParaRPr lang="en-US" altLang="en-US"/>
           </a:p>
@@ -6345,7 +6345,7 @@
               <a:pPr>
                 <a:defRPr/>
               </a:pPr>
-              <a:t>7/19/2024</a:t>
+              <a:t>7/24/2024</a:t>
             </a:fld>
             <a:endParaRPr lang="en-US" altLang="en-US"/>
           </a:p>
@@ -6668,7 +6668,7 @@
               <a:pPr>
                 <a:defRPr/>
               </a:pPr>
-              <a:t>7/19/2024</a:t>
+              <a:t>7/24/2024</a:t>
             </a:fld>
             <a:endParaRPr lang="en-US" altLang="en-US"/>
           </a:p>
@@ -7764,7 +7764,7 @@
               <a:pPr>
                 <a:defRPr/>
               </a:pPr>
-              <a:t>7/19/2024</a:t>
+              <a:t>7/24/2024</a:t>
             </a:fld>
             <a:endParaRPr lang="en-US" altLang="en-US"/>
           </a:p>
@@ -9182,7 +9182,7 @@
         <p:spPr bwMode="auto">
           <a:xfrm>
             <a:off x="240506" y="1844681"/>
-            <a:ext cx="8662987" cy="2860862"/>
+            <a:ext cx="8662987" cy="3414860"/>
           </a:xfrm>
           <a:prstGeom prst="rect">
             <a:avLst/>
@@ -9410,6 +9410,28 @@
             <a:r>
               <a:rPr lang="en-IN" sz="1800" dirty="0"/>
               <a:t>Functional and Non-Functional Requirements</a:t>
+            </a:r>
+          </a:p>
+          <a:p>
+            <a:pPr marL="1085850" lvl="1" indent="-342900" algn="just" eaLnBrk="1">
+              <a:spcAft>
+                <a:spcPct val="0"/>
+              </a:spcAft>
+            </a:pPr>
+            <a:r>
+              <a:rPr lang="en-IN" sz="1800" dirty="0"/>
+              <a:t>What’s new in this build</a:t>
+            </a:r>
+          </a:p>
+          <a:p>
+            <a:pPr marL="1085850" lvl="1" indent="-342900" algn="just" eaLnBrk="1">
+              <a:spcAft>
+                <a:spcPct val="0"/>
+              </a:spcAft>
+            </a:pPr>
+            <a:r>
+              <a:rPr lang="en-IN" sz="1800" dirty="0"/>
+              <a:t>Conclusion</a:t>
             </a:r>
           </a:p>
           <a:p>
@@ -11208,17 +11230,20 @@
                   <a:rPr lang="en-US" sz="1600" dirty="0">
                     <a:latin typeface="+mn-lt"/>
                   </a:rPr>
-                  <a:t>The GUI should maintain the history of the calculation till the application </a:t>
+                  <a:t>The GUI should maintain the history of the calculation till the application is closed and </a:t>
                 </a:r>
                 <a:r>
-                  <a:rPr lang="en-US" sz="1600">
+                  <a:rPr lang="en-US" sz="1600" dirty="0" err="1">
                     <a:latin typeface="+mn-lt"/>
                   </a:rPr>
-                  <a:t>is closed.</a:t>
+                  <a:t>autoscrolling</a:t>
                 </a:r>
-                <a:endParaRPr lang="en-US" sz="1600" dirty="0">
-                  <a:latin typeface="+mn-lt"/>
-                </a:endParaRPr>
+                <a:r>
+                  <a:rPr lang="en-US" sz="1600" dirty="0">
+                    <a:latin typeface="+mn-lt"/>
+                  </a:rPr>
+                  <a:t> for that.</a:t>
+                </a:r>
               </a:p>
               <a:p>
                 <a:pPr marL="1200150" lvl="1" indent="-457200" eaLnBrk="1">
@@ -12019,7 +12044,7 @@
         <p:spPr bwMode="auto">
           <a:xfrm>
             <a:off x="240504" y="970669"/>
-            <a:ext cx="8662987" cy="5887331"/>
+            <a:ext cx="8662987" cy="6348996"/>
           </a:xfrm>
           <a:prstGeom prst="rect">
             <a:avLst/>
@@ -12348,6 +12373,37 @@
             </a:r>
           </a:p>
           <a:p>
+            <a:pPr marL="1200150" lvl="1" indent="-457200" algn="just" eaLnBrk="1">
+              <a:spcAft>
+                <a:spcPct val="0"/>
+              </a:spcAft>
+              <a:buFont typeface="+mj-lt"/>
+              <a:buAutoNum type="arabicPeriod"/>
+            </a:pPr>
+            <a:r>
+              <a:rPr lang="en-US" sz="1500" b="1" dirty="0"/>
+              <a:t>NF6</a:t>
+            </a:r>
+            <a:r>
+              <a:rPr lang="en-US" sz="1500" dirty="0"/>
+              <a:t> </a:t>
+            </a:r>
+            <a:r>
+              <a:rPr lang="en-US" sz="1500" b="1" dirty="0"/>
+              <a:t>(Necessary, Verifiable)</a:t>
+            </a:r>
+            <a:r>
+              <a:rPr lang="en-US" sz="1500" dirty="0"/>
+              <a:t>: </a:t>
+            </a:r>
+            <a:r>
+              <a:rPr lang="en-US" sz="1500" dirty="0">
+                <a:latin typeface="+mn-lt"/>
+              </a:rPr>
+              <a:t>The Code should be independent of specific tools and IDE for builds.</a:t>
+            </a:r>
+          </a:p>
+          <a:p>
             <a:pPr marL="457200" indent="-457200" algn="just" eaLnBrk="1">
               <a:spcAft>
                 <a:spcPct val="0"/>
@@ -12483,7 +12539,7 @@
               <a:rPr lang="en-US" sz="1500" b="1" dirty="0">
                 <a:latin typeface="+mn-lt"/>
               </a:rPr>
-              <a:t>FR7</a:t>
+              <a:t>FR6</a:t>
             </a:r>
             <a:r>
               <a:rPr lang="en-US" sz="1500" dirty="0">
@@ -12497,7 +12553,7 @@
               <a:rPr lang="en-US" sz="1500" b="1" dirty="0">
                 <a:latin typeface="+mn-lt"/>
               </a:rPr>
-              <a:t>FR8</a:t>
+              <a:t>FR7, FR8</a:t>
             </a:r>
             <a:r>
               <a:rPr lang="en-US" sz="1500" dirty="0">
@@ -12515,7 +12571,7 @@
               <a:rPr lang="en-US" sz="1500" dirty="0">
                 <a:latin typeface="+mn-lt"/>
               </a:rPr>
-              <a:t> are new functional requirements based on your latest code.</a:t>
+              <a:t> are new functional requirements based on this latest build.</a:t>
             </a:r>
           </a:p>
           <a:p>
@@ -12523,13 +12579,13 @@
               <a:rPr lang="en-US" sz="1500" b="1" dirty="0">
                 <a:latin typeface="+mn-lt"/>
               </a:rPr>
-              <a:t>NFR5</a:t>
+              <a:t>NFR5 and NFR6</a:t>
             </a:r>
             <a:r>
               <a:rPr lang="en-US" sz="1500" dirty="0">
                 <a:latin typeface="+mn-lt"/>
               </a:rPr>
-              <a:t> is a new non-functional requirement to reflect the need for a visually appealing GUI.</a:t>
+              <a:t> is a new non-functional requirements.</a:t>
             </a:r>
           </a:p>
           <a:p>
@@ -13964,7 +14020,7 @@
           <a:p>
             <a:r>
               <a:rPr lang="en-US" sz="2000" dirty="0"/>
-              <a:t>  In conclusion, we have walked through the process of implementing a standard deviation function in Java from scratch, adhering to the ISO/IEC/IEEE 29148 Standard for software requirements. We've seen how well-defined requirements can guide the implementation process and ensure the function is robust, accurate, and user-friendly. This exercise underscores the importance of standard deviation in statistical analysis and scientific computing, and the value of implementing mathematical functions from scratch while adhering to software requirements standards.</a:t>
+              <a:t>  In conclusion, we have walked through the process of implementing a standard deviation function in Java from scratch and a GUI to access the function, adhering to the ISO/IEC/IEEE 29148 Standard for software requirements. We've seen how well-defined requirements can guide the implementation process and ensure the function is robust, accurate, and user-friendly. This exercise underscores the importance of standard deviation in statistical analysis and scientific computing, and the value of implementing mathematical functions from scratch while adhering to software requirements standards.</a:t>
             </a:r>
           </a:p>
         </p:txBody>
